--- a/C++课件_阶段复习.pptx
+++ b/C++课件_阶段复习.pptx
@@ -6,7 +6,7 @@
     <p:sldMasterId id="2147483660" r:id="rId2"/>
   </p:sldMasterIdLst>
   <p:notesMasterIdLst>
-    <p:notesMasterId r:id="rId12"/>
+    <p:notesMasterId r:id="rId16"/>
   </p:notesMasterIdLst>
   <p:sldIdLst>
     <p:sldId id="256" r:id="rId3"/>
@@ -17,7 +17,11 @@
     <p:sldId id="263" r:id="rId8"/>
     <p:sldId id="276" r:id="rId9"/>
     <p:sldId id="264" r:id="rId10"/>
-    <p:sldId id="259" r:id="rId11"/>
+    <p:sldId id="277" r:id="rId11"/>
+    <p:sldId id="278" r:id="rId12"/>
+    <p:sldId id="279" r:id="rId13"/>
+    <p:sldId id="280" r:id="rId14"/>
+    <p:sldId id="259" r:id="rId15"/>
   </p:sldIdLst>
   <p:sldSz cx="9144000" cy="6858000" type="screen4x3"/>
   <p:notesSz cx="6858000" cy="9144000"/>
@@ -5307,6 +5311,726 @@
 </p:sld>
 </file>
 
+<file path=ppt/slides/slide10.xml><?xml version="1.0" encoding="utf-8"?>
+<p:sld xmlns:a="http://schemas.openxmlformats.org/drawingml/2006/main" xmlns:r="http://schemas.openxmlformats.org/officeDocument/2006/relationships" xmlns:p="http://schemas.openxmlformats.org/presentationml/2006/main">
+  <p:cSld>
+    <p:spTree>
+      <p:nvGrpSpPr>
+        <p:cNvPr id="1" name=""/>
+        <p:cNvGrpSpPr/>
+        <p:nvPr/>
+      </p:nvGrpSpPr>
+      <p:grpSpPr>
+        <a:xfrm>
+          <a:off x="0" y="0"/>
+          <a:ext cx="0" cy="0"/>
+          <a:chOff x="0" y="0"/>
+          <a:chExt cx="0" cy="0"/>
+        </a:xfrm>
+      </p:grpSpPr>
+      <p:sp>
+        <p:nvSpPr>
+          <p:cNvPr id="2" name="TextBox 1"/>
+          <p:cNvSpPr txBox="1"/>
+          <p:nvPr/>
+        </p:nvSpPr>
+        <p:spPr>
+          <a:xfrm>
+            <a:off x="251520" y="1052736"/>
+            <a:ext cx="8496944" cy="3108543"/>
+          </a:xfrm>
+          <a:prstGeom prst="rect">
+            <a:avLst/>
+          </a:prstGeom>
+          <a:noFill/>
+        </p:spPr>
+        <p:txBody>
+          <a:bodyPr wrap="square" rtlCol="0">
+            <a:spAutoFit/>
+          </a:bodyPr>
+          <a:lstStyle/>
+          <a:p>
+            <a:r>
+              <a:rPr lang="zh-CN" altLang="en-US" sz="2800" b="1" dirty="0" smtClean="0"/>
+              <a:t>练习题：</a:t>
+            </a:r>
+            <a:endParaRPr lang="en-US" altLang="zh-CN" sz="2800" b="1" dirty="0" smtClean="0"/>
+          </a:p>
+          <a:p>
+            <a:pPr>
+              <a:lnSpc>
+                <a:spcPct val="150000"/>
+              </a:lnSpc>
+            </a:pPr>
+            <a:r>
+              <a:rPr lang="en-US" altLang="zh-CN" sz="2800" b="1" dirty="0"/>
+              <a:t>4</a:t>
+            </a:r>
+            <a:r>
+              <a:rPr lang="zh-CN" altLang="en-US" sz="2800" b="1" dirty="0" smtClean="0"/>
+              <a:t>、从屏幕中输入</a:t>
+            </a:r>
+            <a:r>
+              <a:rPr lang="zh-CN" altLang="en-US" sz="2800" b="1" dirty="0"/>
+              <a:t>一</a:t>
+            </a:r>
+            <a:r>
+              <a:rPr lang="zh-CN" altLang="en-US" sz="2800" b="1" dirty="0" smtClean="0"/>
+              <a:t>个数字，判断该数字是否是素数？</a:t>
+            </a:r>
+            <a:endParaRPr lang="en-US" altLang="zh-CN" sz="2800" b="1" dirty="0" smtClean="0"/>
+          </a:p>
+          <a:p>
+            <a:pPr>
+              <a:lnSpc>
+                <a:spcPct val="150000"/>
+              </a:lnSpc>
+            </a:pPr>
+            <a:r>
+              <a:rPr lang="en-US" altLang="zh-CN" sz="2800" b="1" dirty="0"/>
+              <a:t>5</a:t>
+            </a:r>
+            <a:r>
+              <a:rPr lang="zh-CN" altLang="en-US" sz="2800" b="1" dirty="0" smtClean="0"/>
+              <a:t>、从屏幕中获取一个年份，判断该年份是否是闰年。</a:t>
+            </a:r>
+            <a:endParaRPr lang="en-US" altLang="zh-CN" sz="2800" b="1" dirty="0" smtClean="0"/>
+          </a:p>
+          <a:p>
+            <a:pPr>
+              <a:lnSpc>
+                <a:spcPct val="150000"/>
+              </a:lnSpc>
+            </a:pPr>
+            <a:r>
+              <a:rPr lang="en-US" altLang="zh-CN" sz="2800" b="1" dirty="0"/>
+              <a:t>6</a:t>
+            </a:r>
+            <a:r>
+              <a:rPr lang="zh-CN" altLang="en-US" sz="2800" b="1" dirty="0" smtClean="0"/>
+              <a:t>、从屏幕中输入一个百分制成绩，并对该成绩进行分类。</a:t>
+            </a:r>
+            <a:endParaRPr lang="zh-CN" altLang="en-US" sz="2800" b="1" dirty="0"/>
+          </a:p>
+        </p:txBody>
+      </p:sp>
+    </p:spTree>
+    <p:extLst>
+      <p:ext uri="{BB962C8B-B14F-4D97-AF65-F5344CB8AC3E}">
+        <p14:creationId xmlns:p14="http://schemas.microsoft.com/office/powerpoint/2010/main" val="3132654643"/>
+      </p:ext>
+    </p:extLst>
+  </p:cSld>
+  <p:clrMapOvr>
+    <a:masterClrMapping/>
+  </p:clrMapOvr>
+</p:sld>
+</file>
+
+<file path=ppt/slides/slide11.xml><?xml version="1.0" encoding="utf-8"?>
+<p:sld xmlns:a="http://schemas.openxmlformats.org/drawingml/2006/main" xmlns:r="http://schemas.openxmlformats.org/officeDocument/2006/relationships" xmlns:p="http://schemas.openxmlformats.org/presentationml/2006/main">
+  <p:cSld>
+    <p:spTree>
+      <p:nvGrpSpPr>
+        <p:cNvPr id="1" name=""/>
+        <p:cNvGrpSpPr/>
+        <p:nvPr/>
+      </p:nvGrpSpPr>
+      <p:grpSpPr>
+        <a:xfrm>
+          <a:off x="0" y="0"/>
+          <a:ext cx="0" cy="0"/>
+          <a:chOff x="0" y="0"/>
+          <a:chExt cx="0" cy="0"/>
+        </a:xfrm>
+      </p:grpSpPr>
+      <p:sp>
+        <p:nvSpPr>
+          <p:cNvPr id="2" name="TextBox 1"/>
+          <p:cNvSpPr txBox="1"/>
+          <p:nvPr/>
+        </p:nvSpPr>
+        <p:spPr>
+          <a:xfrm>
+            <a:off x="251520" y="1052736"/>
+            <a:ext cx="8496944" cy="3108543"/>
+          </a:xfrm>
+          <a:prstGeom prst="rect">
+            <a:avLst/>
+          </a:prstGeom>
+          <a:noFill/>
+        </p:spPr>
+        <p:txBody>
+          <a:bodyPr wrap="square" rtlCol="0">
+            <a:spAutoFit/>
+          </a:bodyPr>
+          <a:lstStyle/>
+          <a:p>
+            <a:r>
+              <a:rPr lang="zh-CN" altLang="en-US" sz="2800" b="1" dirty="0" smtClean="0"/>
+              <a:t>练习题：</a:t>
+            </a:r>
+            <a:endParaRPr lang="en-US" altLang="zh-CN" sz="2800" b="1" dirty="0" smtClean="0"/>
+          </a:p>
+          <a:p>
+            <a:pPr>
+              <a:lnSpc>
+                <a:spcPct val="150000"/>
+              </a:lnSpc>
+            </a:pPr>
+            <a:r>
+              <a:rPr lang="en-US" altLang="zh-CN" sz="2800" b="1" dirty="0" smtClean="0"/>
+              <a:t>7</a:t>
+            </a:r>
+            <a:r>
+              <a:rPr lang="zh-CN" altLang="en-US" sz="2800" b="1" dirty="0" smtClean="0"/>
+              <a:t>、在屏幕中输出一个</a:t>
+            </a:r>
+            <a:r>
+              <a:rPr lang="en-US" altLang="zh-CN" sz="2800" b="1" dirty="0" smtClean="0"/>
+              <a:t>60</a:t>
+            </a:r>
+            <a:r>
+              <a:rPr lang="zh-CN" altLang="en-US" sz="2800" b="1" dirty="0" smtClean="0"/>
+              <a:t>*</a:t>
+            </a:r>
+            <a:r>
+              <a:rPr lang="en-US" altLang="zh-CN" sz="2800" b="1" dirty="0" smtClean="0"/>
+              <a:t>60</a:t>
+            </a:r>
+            <a:r>
+              <a:rPr lang="zh-CN" altLang="en-US" sz="2800" b="1" dirty="0" smtClean="0"/>
+              <a:t>的围棋棋盘。</a:t>
+            </a:r>
+            <a:endParaRPr lang="en-US" altLang="zh-CN" sz="2800" b="1" dirty="0" smtClean="0"/>
+          </a:p>
+          <a:p>
+            <a:pPr>
+              <a:lnSpc>
+                <a:spcPct val="150000"/>
+              </a:lnSpc>
+            </a:pPr>
+            <a:r>
+              <a:rPr lang="en-US" altLang="zh-CN" sz="2800" b="1" dirty="0" smtClean="0"/>
+              <a:t>8</a:t>
+            </a:r>
+            <a:r>
+              <a:rPr lang="zh-CN" altLang="en-US" sz="2800" b="1" dirty="0"/>
+              <a:t>、任意输入一个整数，按位翻转输出。例如输入</a:t>
+            </a:r>
+            <a:r>
+              <a:rPr lang="en-US" altLang="zh-CN" sz="2800" b="1" dirty="0"/>
+              <a:t>124</a:t>
+            </a:r>
+            <a:r>
+              <a:rPr lang="zh-CN" altLang="en-US" sz="2800" b="1" dirty="0"/>
+              <a:t>，输出</a:t>
+            </a:r>
+            <a:r>
+              <a:rPr lang="en-US" altLang="zh-CN" sz="2800" b="1" dirty="0"/>
+              <a:t>421</a:t>
+            </a:r>
+            <a:r>
+              <a:rPr lang="zh-CN" altLang="en-US" sz="2800" b="1" dirty="0" smtClean="0"/>
+              <a:t>。</a:t>
+            </a:r>
+            <a:endParaRPr lang="en-US" altLang="zh-CN" sz="2800" b="1" dirty="0" smtClean="0"/>
+          </a:p>
+          <a:p>
+            <a:pPr>
+              <a:lnSpc>
+                <a:spcPct val="150000"/>
+              </a:lnSpc>
+            </a:pPr>
+            <a:r>
+              <a:rPr lang="en-US" altLang="zh-CN" sz="2800" b="1" dirty="0" smtClean="0"/>
+              <a:t>9</a:t>
+            </a:r>
+            <a:r>
+              <a:rPr lang="zh-CN" altLang="en-US" sz="2800" b="1" dirty="0" smtClean="0"/>
+              <a:t>、使用循环语句来输出爱心。</a:t>
+            </a:r>
+            <a:endParaRPr lang="zh-CN" altLang="en-US" sz="2800" b="1" dirty="0"/>
+          </a:p>
+        </p:txBody>
+      </p:sp>
+    </p:spTree>
+    <p:extLst>
+      <p:ext uri="{BB962C8B-B14F-4D97-AF65-F5344CB8AC3E}">
+        <p14:creationId xmlns:p14="http://schemas.microsoft.com/office/powerpoint/2010/main" val="153882435"/>
+      </p:ext>
+    </p:extLst>
+  </p:cSld>
+  <p:clrMapOvr>
+    <a:masterClrMapping/>
+  </p:clrMapOvr>
+</p:sld>
+</file>
+
+<file path=ppt/slides/slide12.xml><?xml version="1.0" encoding="utf-8"?>
+<p:sld xmlns:a="http://schemas.openxmlformats.org/drawingml/2006/main" xmlns:r="http://schemas.openxmlformats.org/officeDocument/2006/relationships" xmlns:p="http://schemas.openxmlformats.org/presentationml/2006/main">
+  <p:cSld>
+    <p:spTree>
+      <p:nvGrpSpPr>
+        <p:cNvPr id="1" name=""/>
+        <p:cNvGrpSpPr/>
+        <p:nvPr/>
+      </p:nvGrpSpPr>
+      <p:grpSpPr>
+        <a:xfrm>
+          <a:off x="0" y="0"/>
+          <a:ext cx="0" cy="0"/>
+          <a:chOff x="0" y="0"/>
+          <a:chExt cx="0" cy="0"/>
+        </a:xfrm>
+      </p:grpSpPr>
+      <p:sp>
+        <p:nvSpPr>
+          <p:cNvPr id="2" name="矩形 1"/>
+          <p:cNvSpPr/>
+          <p:nvPr/>
+        </p:nvSpPr>
+        <p:spPr>
+          <a:xfrm>
+            <a:off x="467544" y="908721"/>
+            <a:ext cx="8568952" cy="1508105"/>
+          </a:xfrm>
+          <a:prstGeom prst="rect">
+            <a:avLst/>
+          </a:prstGeom>
+        </p:spPr>
+        <p:txBody>
+          <a:bodyPr wrap="square">
+            <a:spAutoFit/>
+          </a:bodyPr>
+          <a:lstStyle/>
+          <a:p>
+            <a:r>
+              <a:rPr lang="en-US" altLang="zh-CN" sz="3200" dirty="0" smtClean="0"/>
+              <a:t>10</a:t>
+            </a:r>
+            <a:r>
+              <a:rPr lang="zh-CN" altLang="en-US" sz="3200" dirty="0" smtClean="0"/>
+              <a:t>、</a:t>
+            </a:r>
+            <a:r>
+              <a:rPr lang="zh-CN" altLang="en-US" sz="3200" b="1" dirty="0" smtClean="0"/>
+              <a:t>破译密码：</a:t>
+            </a:r>
+            <a:endParaRPr lang="en-US" altLang="zh-CN" sz="3200" b="1" dirty="0" smtClean="0"/>
+          </a:p>
+          <a:p>
+            <a:r>
+              <a:rPr lang="en-US" altLang="zh-CN" sz="3200" b="1" dirty="0" smtClean="0"/>
+              <a:t>        </a:t>
+            </a:r>
+            <a:r>
+              <a:rPr lang="zh-CN" altLang="en-US" sz="2800" b="1" dirty="0" smtClean="0"/>
+              <a:t>密码算法：第一</a:t>
+            </a:r>
+            <a:r>
+              <a:rPr lang="zh-CN" altLang="en-US" sz="2800" b="1" dirty="0"/>
+              <a:t>个字母变成第</a:t>
+            </a:r>
+            <a:r>
+              <a:rPr lang="en-US" altLang="zh-CN" sz="2800" b="1" dirty="0"/>
+              <a:t>26</a:t>
+            </a:r>
+            <a:r>
+              <a:rPr lang="zh-CN" altLang="en-US" sz="2800" b="1" dirty="0"/>
+              <a:t>个字母，第</a:t>
+            </a:r>
+            <a:r>
+              <a:rPr lang="en-US" altLang="zh-CN" sz="2800" b="1" dirty="0" err="1"/>
+              <a:t>i</a:t>
+            </a:r>
+            <a:r>
+              <a:rPr lang="zh-CN" altLang="en-US" sz="2800" b="1" dirty="0"/>
+              <a:t>个字母变成第（</a:t>
+            </a:r>
+            <a:r>
+              <a:rPr lang="en-US" altLang="zh-CN" sz="2800" b="1" dirty="0"/>
+              <a:t>26-i+1</a:t>
+            </a:r>
+            <a:r>
+              <a:rPr lang="zh-CN" altLang="en-US" sz="2800" b="1" dirty="0"/>
+              <a:t>）个字母，非字母字符不变</a:t>
+            </a:r>
+          </a:p>
+        </p:txBody>
+      </p:sp>
+      <p:sp>
+        <p:nvSpPr>
+          <p:cNvPr id="4" name="矩形 3"/>
+          <p:cNvSpPr/>
+          <p:nvPr/>
+        </p:nvSpPr>
+        <p:spPr>
+          <a:xfrm>
+            <a:off x="1547664" y="2708920"/>
+            <a:ext cx="4602542" cy="584775"/>
+          </a:xfrm>
+          <a:prstGeom prst="rect">
+            <a:avLst/>
+          </a:prstGeom>
+        </p:spPr>
+        <p:txBody>
+          <a:bodyPr wrap="none">
+            <a:spAutoFit/>
+          </a:bodyPr>
+          <a:lstStyle/>
+          <a:p>
+            <a:r>
+              <a:rPr lang="pt-BR" altLang="zh-CN" sz="3200" dirty="0"/>
+              <a:t>r u r m w g s v h v x i v g</a:t>
+            </a:r>
+            <a:endParaRPr lang="zh-CN" altLang="en-US" sz="3200" dirty="0"/>
+          </a:p>
+        </p:txBody>
+      </p:sp>
+    </p:spTree>
+    <p:extLst>
+      <p:ext uri="{BB962C8B-B14F-4D97-AF65-F5344CB8AC3E}">
+        <p14:creationId xmlns:p14="http://schemas.microsoft.com/office/powerpoint/2010/main" val="909917680"/>
+      </p:ext>
+    </p:extLst>
+  </p:cSld>
+  <p:clrMapOvr>
+    <a:masterClrMapping/>
+  </p:clrMapOvr>
+</p:sld>
+</file>
+
+<file path=ppt/slides/slide13.xml><?xml version="1.0" encoding="utf-8"?>
+<p:sld xmlns:a="http://schemas.openxmlformats.org/drawingml/2006/main" xmlns:r="http://schemas.openxmlformats.org/officeDocument/2006/relationships" xmlns:p="http://schemas.openxmlformats.org/presentationml/2006/main">
+  <p:cSld>
+    <p:spTree>
+      <p:nvGrpSpPr>
+        <p:cNvPr id="1" name=""/>
+        <p:cNvGrpSpPr/>
+        <p:nvPr/>
+      </p:nvGrpSpPr>
+      <p:grpSpPr>
+        <a:xfrm>
+          <a:off x="0" y="0"/>
+          <a:ext cx="0" cy="0"/>
+          <a:chOff x="0" y="0"/>
+          <a:chExt cx="0" cy="0"/>
+        </a:xfrm>
+      </p:grpSpPr>
+      <p:sp>
+        <p:nvSpPr>
+          <p:cNvPr id="6146" name="矩形 2"/>
+          <p:cNvSpPr>
+            <a:spLocks noChangeArrowheads="1"/>
+          </p:cNvSpPr>
+          <p:nvPr/>
+        </p:nvSpPr>
+        <p:spPr bwMode="auto">
+          <a:xfrm>
+            <a:off x="179388" y="4868863"/>
+            <a:ext cx="3741737" cy="338137"/>
+          </a:xfrm>
+          <a:prstGeom prst="rect">
+            <a:avLst/>
+          </a:prstGeom>
+          <a:noFill/>
+          <a:ln>
+            <a:noFill/>
+          </a:ln>
+          <a:extLst>
+            <a:ext uri="{909E8E84-426E-40DD-AFC4-6F175D3DCCD1}">
+              <a14:hiddenFill xmlns:a14="http://schemas.microsoft.com/office/drawing/2010/main">
+                <a:solidFill>
+                  <a:srgbClr val="FFFFFF"/>
+                </a:solidFill>
+              </a14:hiddenFill>
+            </a:ext>
+            <a:ext uri="{91240B29-F687-4F45-9708-019B960494DF}">
+              <a14:hiddenLine xmlns:a14="http://schemas.microsoft.com/office/drawing/2010/main" w="9525">
+                <a:solidFill>
+                  <a:srgbClr val="000000"/>
+                </a:solidFill>
+                <a:miter lim="800000"/>
+                <a:headEnd/>
+                <a:tailEnd/>
+              </a14:hiddenLine>
+            </a:ext>
+          </a:extLst>
+        </p:spPr>
+        <p:txBody>
+          <a:bodyPr wrap="none">
+            <a:spAutoFit/>
+          </a:bodyPr>
+          <a:lstStyle>
+            <a:lvl1pPr eaLnBrk="0" hangingPunct="0">
+              <a:defRPr>
+                <a:solidFill>
+                  <a:schemeClr val="tx1"/>
+                </a:solidFill>
+                <a:latin typeface="Arial" charset="0"/>
+                <a:ea typeface="宋体" pitchFamily="2" charset="-122"/>
+              </a:defRPr>
+            </a:lvl1pPr>
+            <a:lvl2pPr marL="742950" indent="-285750" eaLnBrk="0" hangingPunct="0">
+              <a:defRPr>
+                <a:solidFill>
+                  <a:schemeClr val="tx1"/>
+                </a:solidFill>
+                <a:latin typeface="Arial" charset="0"/>
+                <a:ea typeface="宋体" pitchFamily="2" charset="-122"/>
+              </a:defRPr>
+            </a:lvl2pPr>
+            <a:lvl3pPr marL="1143000" indent="-228600" eaLnBrk="0" hangingPunct="0">
+              <a:defRPr>
+                <a:solidFill>
+                  <a:schemeClr val="tx1"/>
+                </a:solidFill>
+                <a:latin typeface="Arial" charset="0"/>
+                <a:ea typeface="宋体" pitchFamily="2" charset="-122"/>
+              </a:defRPr>
+            </a:lvl3pPr>
+            <a:lvl4pPr marL="1600200" indent="-228600" eaLnBrk="0" hangingPunct="0">
+              <a:defRPr>
+                <a:solidFill>
+                  <a:schemeClr val="tx1"/>
+                </a:solidFill>
+                <a:latin typeface="Arial" charset="0"/>
+                <a:ea typeface="宋体" pitchFamily="2" charset="-122"/>
+              </a:defRPr>
+            </a:lvl4pPr>
+            <a:lvl5pPr marL="2057400" indent="-228600" eaLnBrk="0" hangingPunct="0">
+              <a:defRPr>
+                <a:solidFill>
+                  <a:schemeClr val="tx1"/>
+                </a:solidFill>
+                <a:latin typeface="Arial" charset="0"/>
+                <a:ea typeface="宋体" pitchFamily="2" charset="-122"/>
+              </a:defRPr>
+            </a:lvl5pPr>
+            <a:lvl6pPr marL="2514600" indent="-228600" eaLnBrk="0" fontAlgn="base" hangingPunct="0">
+              <a:spcBef>
+                <a:spcPct val="0"/>
+              </a:spcBef>
+              <a:spcAft>
+                <a:spcPct val="0"/>
+              </a:spcAft>
+              <a:defRPr>
+                <a:solidFill>
+                  <a:schemeClr val="tx1"/>
+                </a:solidFill>
+                <a:latin typeface="Arial" charset="0"/>
+                <a:ea typeface="宋体" pitchFamily="2" charset="-122"/>
+              </a:defRPr>
+            </a:lvl6pPr>
+            <a:lvl7pPr marL="2971800" indent="-228600" eaLnBrk="0" fontAlgn="base" hangingPunct="0">
+              <a:spcBef>
+                <a:spcPct val="0"/>
+              </a:spcBef>
+              <a:spcAft>
+                <a:spcPct val="0"/>
+              </a:spcAft>
+              <a:defRPr>
+                <a:solidFill>
+                  <a:schemeClr val="tx1"/>
+                </a:solidFill>
+                <a:latin typeface="Arial" charset="0"/>
+                <a:ea typeface="宋体" pitchFamily="2" charset="-122"/>
+              </a:defRPr>
+            </a:lvl7pPr>
+            <a:lvl8pPr marL="3429000" indent="-228600" eaLnBrk="0" fontAlgn="base" hangingPunct="0">
+              <a:spcBef>
+                <a:spcPct val="0"/>
+              </a:spcBef>
+              <a:spcAft>
+                <a:spcPct val="0"/>
+              </a:spcAft>
+              <a:defRPr>
+                <a:solidFill>
+                  <a:schemeClr val="tx1"/>
+                </a:solidFill>
+                <a:latin typeface="Arial" charset="0"/>
+                <a:ea typeface="宋体" pitchFamily="2" charset="-122"/>
+              </a:defRPr>
+            </a:lvl8pPr>
+            <a:lvl9pPr marL="3886200" indent="-228600" eaLnBrk="0" fontAlgn="base" hangingPunct="0">
+              <a:spcBef>
+                <a:spcPct val="0"/>
+              </a:spcBef>
+              <a:spcAft>
+                <a:spcPct val="0"/>
+              </a:spcAft>
+              <a:defRPr>
+                <a:solidFill>
+                  <a:schemeClr val="tx1"/>
+                </a:solidFill>
+                <a:latin typeface="Arial" charset="0"/>
+                <a:ea typeface="宋体" pitchFamily="2" charset="-122"/>
+              </a:defRPr>
+            </a:lvl9pPr>
+          </a:lstStyle>
+          <a:p>
+            <a:pPr eaLnBrk="1" hangingPunct="1"/>
+            <a:r>
+              <a:rPr lang="en-US" altLang="zh-CN" sz="1600">
+                <a:solidFill>
+                  <a:srgbClr val="4A452A"/>
+                </a:solidFill>
+              </a:rPr>
+              <a:t>PPT</a:t>
+            </a:r>
+            <a:r>
+              <a:rPr lang="zh-CN" altLang="en-US" sz="1600">
+                <a:solidFill>
+                  <a:srgbClr val="4A452A"/>
+                </a:solidFill>
+              </a:rPr>
+              <a:t>模板下载：</a:t>
+            </a:r>
+            <a:r>
+              <a:rPr lang="en-US" altLang="zh-CN" sz="1600">
+                <a:solidFill>
+                  <a:srgbClr val="4A452A"/>
+                </a:solidFill>
+                <a:hlinkClick r:id="rId2"/>
+              </a:rPr>
+              <a:t>www.1ppt.com/moban/</a:t>
+            </a:r>
+            <a:r>
+              <a:rPr lang="en-US" altLang="zh-CN" sz="1600">
+                <a:solidFill>
+                  <a:srgbClr val="4A452A"/>
+                </a:solidFill>
+              </a:rPr>
+              <a:t> </a:t>
+            </a:r>
+            <a:endParaRPr lang="zh-CN" altLang="en-US"/>
+          </a:p>
+        </p:txBody>
+      </p:sp>
+      <p:pic>
+        <p:nvPicPr>
+          <p:cNvPr id="6147" name="Picture 4" descr="未标题-1"/>
+          <p:cNvPicPr>
+            <a:picLocks noChangeAspect="1" noChangeArrowheads="1"/>
+          </p:cNvPicPr>
+          <p:nvPr/>
+        </p:nvPicPr>
+        <p:blipFill>
+          <a:blip r:embed="rId3">
+            <a:extLst>
+              <a:ext uri="{28A0092B-C50C-407E-A947-70E740481C1C}">
+                <a14:useLocalDpi xmlns:a14="http://schemas.microsoft.com/office/drawing/2010/main" val="0"/>
+              </a:ext>
+            </a:extLst>
+          </a:blip>
+          <a:srcRect/>
+          <a:stretch>
+            <a:fillRect/>
+          </a:stretch>
+        </p:blipFill>
+        <p:spPr bwMode="auto">
+          <a:xfrm>
+            <a:off x="0" y="0"/>
+            <a:ext cx="9144000" cy="6858000"/>
+          </a:xfrm>
+          <a:prstGeom prst="rect">
+            <a:avLst/>
+          </a:prstGeom>
+          <a:noFill/>
+          <a:ln>
+            <a:noFill/>
+          </a:ln>
+          <a:extLst>
+            <a:ext uri="{909E8E84-426E-40DD-AFC4-6F175D3DCCD1}">
+              <a14:hiddenFill xmlns:a14="http://schemas.microsoft.com/office/drawing/2010/main">
+                <a:solidFill>
+                  <a:srgbClr val="FFFFFF"/>
+                </a:solidFill>
+              </a14:hiddenFill>
+            </a:ext>
+            <a:ext uri="{91240B29-F687-4F45-9708-019B960494DF}">
+              <a14:hiddenLine xmlns:a14="http://schemas.microsoft.com/office/drawing/2010/main" w="9525">
+                <a:solidFill>
+                  <a:srgbClr val="000000"/>
+                </a:solidFill>
+                <a:miter lim="800000"/>
+                <a:headEnd/>
+                <a:tailEnd/>
+              </a14:hiddenLine>
+            </a:ext>
+          </a:extLst>
+        </p:spPr>
+      </p:pic>
+      <p:pic>
+        <p:nvPicPr>
+          <p:cNvPr id="6148" name="Picture 5" descr="未标题-2"/>
+          <p:cNvPicPr>
+            <a:picLocks noChangeAspect="1" noChangeArrowheads="1"/>
+          </p:cNvPicPr>
+          <p:nvPr/>
+        </p:nvPicPr>
+        <p:blipFill>
+          <a:blip r:embed="rId4">
+            <a:extLst>
+              <a:ext uri="{28A0092B-C50C-407E-A947-70E740481C1C}">
+                <a14:useLocalDpi xmlns:a14="http://schemas.microsoft.com/office/drawing/2010/main" val="0"/>
+              </a:ext>
+            </a:extLst>
+          </a:blip>
+          <a:srcRect/>
+          <a:stretch>
+            <a:fillRect/>
+          </a:stretch>
+        </p:blipFill>
+        <p:spPr bwMode="auto">
+          <a:xfrm>
+            <a:off x="1692275" y="1700213"/>
+            <a:ext cx="3240088" cy="2667000"/>
+          </a:xfrm>
+          <a:prstGeom prst="rect">
+            <a:avLst/>
+          </a:prstGeom>
+          <a:noFill/>
+          <a:ln>
+            <a:noFill/>
+          </a:ln>
+          <a:extLst>
+            <a:ext uri="{909E8E84-426E-40DD-AFC4-6F175D3DCCD1}">
+              <a14:hiddenFill xmlns:a14="http://schemas.microsoft.com/office/drawing/2010/main">
+                <a:solidFill>
+                  <a:srgbClr val="FFFFFF"/>
+                </a:solidFill>
+              </a14:hiddenFill>
+            </a:ext>
+            <a:ext uri="{91240B29-F687-4F45-9708-019B960494DF}">
+              <a14:hiddenLine xmlns:a14="http://schemas.microsoft.com/office/drawing/2010/main" w="9525">
+                <a:solidFill>
+                  <a:srgbClr val="000000"/>
+                </a:solidFill>
+                <a:miter lim="800000"/>
+                <a:headEnd/>
+                <a:tailEnd/>
+              </a14:hiddenLine>
+            </a:ext>
+          </a:extLst>
+        </p:spPr>
+      </p:pic>
+    </p:spTree>
+  </p:cSld>
+  <p:clrMapOvr>
+    <a:masterClrMapping/>
+  </p:clrMapOvr>
+  <p:timing>
+    <p:tnLst>
+      <p:par>
+        <p:cTn id="1" dur="indefinite" restart="never" nodeType="tmRoot"/>
+      </p:par>
+    </p:tnLst>
+  </p:timing>
+</p:sld>
+</file>
+
 <file path=ppt/slides/slide2.xml><?xml version="1.0" encoding="utf-8"?>
 <p:sld xmlns:a="http://schemas.openxmlformats.org/drawingml/2006/main" xmlns:r="http://schemas.openxmlformats.org/officeDocument/2006/relationships" xmlns:p="http://schemas.openxmlformats.org/presentationml/2006/main">
   <p:cSld>
@@ -5654,11 +6378,7 @@
             </a:r>
             <a:r>
               <a:rPr lang="en-US" altLang="zh-CN" sz="3600" b="1" dirty="0" smtClean="0"/>
-              <a:t>http</a:t>
-            </a:r>
-            <a:r>
-              <a:rPr lang="en-US" altLang="zh-CN" sz="3600" b="1" dirty="0" smtClean="0"/>
-              <a:t>://</a:t>
+              <a:t>http://</a:t>
             </a:r>
             <a:r>
               <a:rPr lang="en-US" altLang="zh-CN" sz="3600" b="1" dirty="0"/>
@@ -7131,7 +7851,6 @@
               <a:rPr lang="zh-CN" altLang="en-US" sz="2800" b="1" dirty="0"/>
               <a:t>大小写敏感。</a:t>
             </a:r>
-            <a:endParaRPr lang="zh-CN" altLang="en-US" sz="2800" b="1" dirty="0"/>
           </a:p>
         </p:txBody>
       </p:sp>
@@ -7478,7 +8197,6 @@
               <a:rPr lang="en-US" altLang="zh-CN" sz="2800" b="1" dirty="0" smtClean="0"/>
               <a:t>#define</a:t>
             </a:r>
-            <a:endParaRPr lang="en-US" altLang="zh-CN" sz="2800" b="1" dirty="0" smtClean="0"/>
           </a:p>
         </p:txBody>
       </p:sp>
@@ -7861,7 +8579,6 @@
               <a:rPr lang="en-US" altLang="zh-CN" sz="2800" b="1" dirty="0" smtClean="0"/>
               <a:t>;</a:t>
             </a:r>
-            <a:endParaRPr lang="en-US" altLang="zh-CN" sz="2800" b="1" dirty="0" smtClean="0"/>
           </a:p>
           <a:p>
             <a:pPr>
@@ -8378,7 +9095,7 @@
         <p:spPr>
           <a:xfrm>
             <a:off x="468313" y="1052736"/>
-            <a:ext cx="8280151" cy="1800493"/>
+            <a:ext cx="8280151" cy="4385816"/>
           </a:xfrm>
           <a:prstGeom prst="rect">
             <a:avLst/>
@@ -8415,6 +9132,85 @@
             <a:r>
               <a:rPr lang="en-US" altLang="zh-CN" sz="2800" b="1" dirty="0" smtClean="0"/>
               <a:t>(if)</a:t>
+            </a:r>
+          </a:p>
+          <a:p>
+            <a:pPr>
+              <a:lnSpc>
+                <a:spcPct val="150000"/>
+              </a:lnSpc>
+            </a:pPr>
+            <a:r>
+              <a:rPr lang="zh-CN" altLang="en-US" sz="2800" b="1" dirty="0" smtClean="0"/>
+              <a:t>（</a:t>
+            </a:r>
+            <a:r>
+              <a:rPr lang="en-US" altLang="zh-CN" sz="2800" b="1" dirty="0" smtClean="0"/>
+              <a:t>1</a:t>
+            </a:r>
+            <a:r>
+              <a:rPr lang="zh-CN" altLang="en-US" sz="2800" b="1" dirty="0" smtClean="0"/>
+              <a:t>）没有分支；</a:t>
+            </a:r>
+            <a:endParaRPr lang="en-US" altLang="zh-CN" sz="2800" b="1" dirty="0" smtClean="0"/>
+          </a:p>
+          <a:p>
+            <a:pPr>
+              <a:lnSpc>
+                <a:spcPct val="150000"/>
+              </a:lnSpc>
+            </a:pPr>
+            <a:r>
+              <a:rPr lang="zh-CN" altLang="en-US" sz="2800" b="1" dirty="0" smtClean="0"/>
+              <a:t>（</a:t>
+            </a:r>
+            <a:r>
+              <a:rPr lang="en-US" altLang="zh-CN" sz="2800" b="1" dirty="0" smtClean="0"/>
+              <a:t>2</a:t>
+            </a:r>
+            <a:r>
+              <a:rPr lang="zh-CN" altLang="en-US" sz="2800" b="1" dirty="0" smtClean="0"/>
+              <a:t>）单逻辑分支；</a:t>
+            </a:r>
+            <a:endParaRPr lang="en-US" altLang="zh-CN" sz="2800" b="1" dirty="0" smtClean="0"/>
+          </a:p>
+          <a:p>
+            <a:pPr>
+              <a:lnSpc>
+                <a:spcPct val="150000"/>
+              </a:lnSpc>
+            </a:pPr>
+            <a:r>
+              <a:rPr lang="zh-CN" altLang="en-US" sz="2800" b="1" dirty="0" smtClean="0"/>
+              <a:t>（</a:t>
+            </a:r>
+            <a:r>
+              <a:rPr lang="en-US" altLang="zh-CN" sz="2800" b="1" dirty="0" smtClean="0"/>
+              <a:t>3</a:t>
+            </a:r>
+            <a:r>
+              <a:rPr lang="zh-CN" altLang="en-US" sz="2800" b="1" dirty="0" smtClean="0"/>
+              <a:t>）多逻辑分支；</a:t>
+            </a:r>
+            <a:endParaRPr lang="en-US" altLang="zh-CN" sz="2800" b="1" dirty="0" smtClean="0"/>
+          </a:p>
+          <a:p>
+            <a:pPr>
+              <a:lnSpc>
+                <a:spcPct val="150000"/>
+              </a:lnSpc>
+            </a:pPr>
+            <a:r>
+              <a:rPr lang="zh-CN" altLang="en-US" sz="2800" b="1" dirty="0" smtClean="0"/>
+              <a:t>（</a:t>
+            </a:r>
+            <a:r>
+              <a:rPr lang="en-US" altLang="zh-CN" sz="2800" b="1" dirty="0" smtClean="0"/>
+              <a:t>4</a:t>
+            </a:r>
+            <a:r>
+              <a:rPr lang="zh-CN" altLang="en-US" sz="2800" b="1" dirty="0" smtClean="0"/>
+              <a:t>）判断语句嵌套；</a:t>
             </a:r>
             <a:endParaRPr lang="en-US" altLang="zh-CN" sz="2800" b="1" dirty="0" smtClean="0"/>
           </a:p>
@@ -8467,314 +9263,92 @@
       </p:grpSpPr>
       <p:sp>
         <p:nvSpPr>
-          <p:cNvPr id="6146" name="矩形 2"/>
-          <p:cNvSpPr>
-            <a:spLocks noChangeArrowheads="1"/>
-          </p:cNvSpPr>
+          <p:cNvPr id="2" name="TextBox 1"/>
+          <p:cNvSpPr txBox="1"/>
           <p:nvPr/>
         </p:nvSpPr>
-        <p:spPr bwMode="auto">
+        <p:spPr>
           <a:xfrm>
-            <a:off x="179388" y="4868863"/>
-            <a:ext cx="3741737" cy="338137"/>
+            <a:off x="251520" y="1052736"/>
+            <a:ext cx="8496944" cy="5047536"/>
           </a:xfrm>
           <a:prstGeom prst="rect">
             <a:avLst/>
           </a:prstGeom>
           <a:noFill/>
-          <a:ln>
-            <a:noFill/>
-          </a:ln>
-          <a:extLst>
-            <a:ext uri="{909E8E84-426E-40DD-AFC4-6F175D3DCCD1}">
-              <a14:hiddenFill xmlns:a14="http://schemas.microsoft.com/office/drawing/2010/main">
-                <a:solidFill>
-                  <a:srgbClr val="FFFFFF"/>
-                </a:solidFill>
-              </a14:hiddenFill>
-            </a:ext>
-            <a:ext uri="{91240B29-F687-4F45-9708-019B960494DF}">
-              <a14:hiddenLine xmlns:a14="http://schemas.microsoft.com/office/drawing/2010/main" w="9525">
-                <a:solidFill>
-                  <a:srgbClr val="000000"/>
-                </a:solidFill>
-                <a:miter lim="800000"/>
-                <a:headEnd/>
-                <a:tailEnd/>
-              </a14:hiddenLine>
-            </a:ext>
-          </a:extLst>
         </p:spPr>
         <p:txBody>
-          <a:bodyPr wrap="none">
+          <a:bodyPr wrap="square" rtlCol="0">
             <a:spAutoFit/>
           </a:bodyPr>
-          <a:lstStyle>
-            <a:lvl1pPr eaLnBrk="0" hangingPunct="0">
-              <a:defRPr>
-                <a:solidFill>
-                  <a:schemeClr val="tx1"/>
-                </a:solidFill>
-                <a:latin typeface="Arial" charset="0"/>
-                <a:ea typeface="宋体" pitchFamily="2" charset="-122"/>
-              </a:defRPr>
-            </a:lvl1pPr>
-            <a:lvl2pPr marL="742950" indent="-285750" eaLnBrk="0" hangingPunct="0">
-              <a:defRPr>
-                <a:solidFill>
-                  <a:schemeClr val="tx1"/>
-                </a:solidFill>
-                <a:latin typeface="Arial" charset="0"/>
-                <a:ea typeface="宋体" pitchFamily="2" charset="-122"/>
-              </a:defRPr>
-            </a:lvl2pPr>
-            <a:lvl3pPr marL="1143000" indent="-228600" eaLnBrk="0" hangingPunct="0">
-              <a:defRPr>
-                <a:solidFill>
-                  <a:schemeClr val="tx1"/>
-                </a:solidFill>
-                <a:latin typeface="Arial" charset="0"/>
-                <a:ea typeface="宋体" pitchFamily="2" charset="-122"/>
-              </a:defRPr>
-            </a:lvl3pPr>
-            <a:lvl4pPr marL="1600200" indent="-228600" eaLnBrk="0" hangingPunct="0">
-              <a:defRPr>
-                <a:solidFill>
-                  <a:schemeClr val="tx1"/>
-                </a:solidFill>
-                <a:latin typeface="Arial" charset="0"/>
-                <a:ea typeface="宋体" pitchFamily="2" charset="-122"/>
-              </a:defRPr>
-            </a:lvl4pPr>
-            <a:lvl5pPr marL="2057400" indent="-228600" eaLnBrk="0" hangingPunct="0">
-              <a:defRPr>
-                <a:solidFill>
-                  <a:schemeClr val="tx1"/>
-                </a:solidFill>
-                <a:latin typeface="Arial" charset="0"/>
-                <a:ea typeface="宋体" pitchFamily="2" charset="-122"/>
-              </a:defRPr>
-            </a:lvl5pPr>
-            <a:lvl6pPr marL="2514600" indent="-228600" eaLnBrk="0" fontAlgn="base" hangingPunct="0">
-              <a:spcBef>
-                <a:spcPct val="0"/>
-              </a:spcBef>
-              <a:spcAft>
-                <a:spcPct val="0"/>
-              </a:spcAft>
-              <a:defRPr>
-                <a:solidFill>
-                  <a:schemeClr val="tx1"/>
-                </a:solidFill>
-                <a:latin typeface="Arial" charset="0"/>
-                <a:ea typeface="宋体" pitchFamily="2" charset="-122"/>
-              </a:defRPr>
-            </a:lvl6pPr>
-            <a:lvl7pPr marL="2971800" indent="-228600" eaLnBrk="0" fontAlgn="base" hangingPunct="0">
-              <a:spcBef>
-                <a:spcPct val="0"/>
-              </a:spcBef>
-              <a:spcAft>
-                <a:spcPct val="0"/>
-              </a:spcAft>
-              <a:defRPr>
-                <a:solidFill>
-                  <a:schemeClr val="tx1"/>
-                </a:solidFill>
-                <a:latin typeface="Arial" charset="0"/>
-                <a:ea typeface="宋体" pitchFamily="2" charset="-122"/>
-              </a:defRPr>
-            </a:lvl7pPr>
-            <a:lvl8pPr marL="3429000" indent="-228600" eaLnBrk="0" fontAlgn="base" hangingPunct="0">
-              <a:spcBef>
-                <a:spcPct val="0"/>
-              </a:spcBef>
-              <a:spcAft>
-                <a:spcPct val="0"/>
-              </a:spcAft>
-              <a:defRPr>
-                <a:solidFill>
-                  <a:schemeClr val="tx1"/>
-                </a:solidFill>
-                <a:latin typeface="Arial" charset="0"/>
-                <a:ea typeface="宋体" pitchFamily="2" charset="-122"/>
-              </a:defRPr>
-            </a:lvl8pPr>
-            <a:lvl9pPr marL="3886200" indent="-228600" eaLnBrk="0" fontAlgn="base" hangingPunct="0">
-              <a:spcBef>
-                <a:spcPct val="0"/>
-              </a:spcBef>
-              <a:spcAft>
-                <a:spcPct val="0"/>
-              </a:spcAft>
-              <a:defRPr>
-                <a:solidFill>
-                  <a:schemeClr val="tx1"/>
-                </a:solidFill>
-                <a:latin typeface="Arial" charset="0"/>
-                <a:ea typeface="宋体" pitchFamily="2" charset="-122"/>
-              </a:defRPr>
-            </a:lvl9pPr>
-          </a:lstStyle>
-          <a:p>
-            <a:pPr eaLnBrk="1" hangingPunct="1"/>
-            <a:r>
-              <a:rPr lang="en-US" altLang="zh-CN" sz="1600">
-                <a:solidFill>
-                  <a:srgbClr val="4A452A"/>
-                </a:solidFill>
-              </a:rPr>
-              <a:t>PPT</a:t>
-            </a:r>
-            <a:r>
-              <a:rPr lang="zh-CN" altLang="en-US" sz="1600">
-                <a:solidFill>
-                  <a:srgbClr val="4A452A"/>
-                </a:solidFill>
-              </a:rPr>
-              <a:t>模板下载：</a:t>
-            </a:r>
-            <a:r>
-              <a:rPr lang="en-US" altLang="zh-CN" sz="1600">
-                <a:solidFill>
-                  <a:srgbClr val="4A452A"/>
-                </a:solidFill>
-                <a:hlinkClick r:id="rId2"/>
-              </a:rPr>
-              <a:t>www.1ppt.com/moban/</a:t>
-            </a:r>
-            <a:r>
-              <a:rPr lang="en-US" altLang="zh-CN" sz="1600">
-                <a:solidFill>
-                  <a:srgbClr val="4A452A"/>
-                </a:solidFill>
-              </a:rPr>
-              <a:t> </a:t>
-            </a:r>
-            <a:endParaRPr lang="zh-CN" altLang="en-US"/>
+          <a:lstStyle/>
+          <a:p>
+            <a:r>
+              <a:rPr lang="zh-CN" altLang="en-US" sz="2800" b="1" dirty="0" smtClean="0"/>
+              <a:t>练习题：</a:t>
+            </a:r>
+            <a:endParaRPr lang="en-US" altLang="zh-CN" sz="2800" b="1" dirty="0" smtClean="0"/>
+          </a:p>
+          <a:p>
+            <a:pPr>
+              <a:lnSpc>
+                <a:spcPct val="150000"/>
+              </a:lnSpc>
+            </a:pPr>
+            <a:r>
+              <a:rPr lang="en-US" altLang="zh-CN" sz="2800" b="1" dirty="0" smtClean="0"/>
+              <a:t>1</a:t>
+            </a:r>
+            <a:r>
+              <a:rPr lang="zh-CN" altLang="en-US" sz="2800" b="1" dirty="0" smtClean="0"/>
+              <a:t>、从屏幕中输入两个数字，分别进行加，减，乘，除，取余操作，并将结果输出至屏幕。</a:t>
+            </a:r>
+            <a:endParaRPr lang="en-US" altLang="zh-CN" sz="2800" b="1" dirty="0" smtClean="0"/>
+          </a:p>
+          <a:p>
+            <a:pPr>
+              <a:lnSpc>
+                <a:spcPct val="150000"/>
+              </a:lnSpc>
+            </a:pPr>
+            <a:r>
+              <a:rPr lang="en-US" altLang="zh-CN" sz="2800" b="1" dirty="0" smtClean="0"/>
+              <a:t>2</a:t>
+            </a:r>
+            <a:r>
+              <a:rPr lang="zh-CN" altLang="en-US" sz="2800" b="1" dirty="0" smtClean="0"/>
+              <a:t>、从屏幕中获取一个数字，并对其进行前置自增，自减、后置自增，自减、逻辑取反操作，并将结果输出至屏幕。</a:t>
+            </a:r>
+            <a:endParaRPr lang="en-US" altLang="zh-CN" sz="2800" b="1" dirty="0" smtClean="0"/>
+          </a:p>
+          <a:p>
+            <a:pPr>
+              <a:lnSpc>
+                <a:spcPct val="150000"/>
+              </a:lnSpc>
+            </a:pPr>
+            <a:r>
+              <a:rPr lang="en-US" altLang="zh-CN" sz="2800" b="1" dirty="0" smtClean="0"/>
+              <a:t>3</a:t>
+            </a:r>
+            <a:r>
+              <a:rPr lang="zh-CN" altLang="en-US" sz="2800" b="1" dirty="0" smtClean="0"/>
+              <a:t>、从屏幕中输入两个数字，使用三元运算符对这两个数字进行大小判断，并输出较大的那个数字。</a:t>
+            </a:r>
+            <a:endParaRPr lang="zh-CN" altLang="en-US" sz="2800" b="1" dirty="0"/>
           </a:p>
         </p:txBody>
       </p:sp>
-      <p:pic>
-        <p:nvPicPr>
-          <p:cNvPr id="6147" name="Picture 4" descr="未标题-1"/>
-          <p:cNvPicPr>
-            <a:picLocks noChangeAspect="1" noChangeArrowheads="1"/>
-          </p:cNvPicPr>
-          <p:nvPr/>
-        </p:nvPicPr>
-        <p:blipFill>
-          <a:blip r:embed="rId3">
-            <a:extLst>
-              <a:ext uri="{28A0092B-C50C-407E-A947-70E740481C1C}">
-                <a14:useLocalDpi xmlns:a14="http://schemas.microsoft.com/office/drawing/2010/main" val="0"/>
-              </a:ext>
-            </a:extLst>
-          </a:blip>
-          <a:srcRect/>
-          <a:stretch>
-            <a:fillRect/>
-          </a:stretch>
-        </p:blipFill>
-        <p:spPr bwMode="auto">
-          <a:xfrm>
-            <a:off x="0" y="0"/>
-            <a:ext cx="9144000" cy="6858000"/>
-          </a:xfrm>
-          <a:prstGeom prst="rect">
-            <a:avLst/>
-          </a:prstGeom>
-          <a:noFill/>
-          <a:ln>
-            <a:noFill/>
-          </a:ln>
-          <a:extLst>
-            <a:ext uri="{909E8E84-426E-40DD-AFC4-6F175D3DCCD1}">
-              <a14:hiddenFill xmlns:a14="http://schemas.microsoft.com/office/drawing/2010/main">
-                <a:solidFill>
-                  <a:srgbClr val="FFFFFF"/>
-                </a:solidFill>
-              </a14:hiddenFill>
-            </a:ext>
-            <a:ext uri="{91240B29-F687-4F45-9708-019B960494DF}">
-              <a14:hiddenLine xmlns:a14="http://schemas.microsoft.com/office/drawing/2010/main" w="9525">
-                <a:solidFill>
-                  <a:srgbClr val="000000"/>
-                </a:solidFill>
-                <a:miter lim="800000"/>
-                <a:headEnd/>
-                <a:tailEnd/>
-              </a14:hiddenLine>
-            </a:ext>
-          </a:extLst>
-        </p:spPr>
-      </p:pic>
-      <p:pic>
-        <p:nvPicPr>
-          <p:cNvPr id="6148" name="Picture 5" descr="未标题-2"/>
-          <p:cNvPicPr>
-            <a:picLocks noChangeAspect="1" noChangeArrowheads="1"/>
-          </p:cNvPicPr>
-          <p:nvPr/>
-        </p:nvPicPr>
-        <p:blipFill>
-          <a:blip r:embed="rId4">
-            <a:extLst>
-              <a:ext uri="{28A0092B-C50C-407E-A947-70E740481C1C}">
-                <a14:useLocalDpi xmlns:a14="http://schemas.microsoft.com/office/drawing/2010/main" val="0"/>
-              </a:ext>
-            </a:extLst>
-          </a:blip>
-          <a:srcRect/>
-          <a:stretch>
-            <a:fillRect/>
-          </a:stretch>
-        </p:blipFill>
-        <p:spPr bwMode="auto">
-          <a:xfrm>
-            <a:off x="1692275" y="1700213"/>
-            <a:ext cx="3240088" cy="2667000"/>
-          </a:xfrm>
-          <a:prstGeom prst="rect">
-            <a:avLst/>
-          </a:prstGeom>
-          <a:noFill/>
-          <a:ln>
-            <a:noFill/>
-          </a:ln>
-          <a:extLst>
-            <a:ext uri="{909E8E84-426E-40DD-AFC4-6F175D3DCCD1}">
-              <a14:hiddenFill xmlns:a14="http://schemas.microsoft.com/office/drawing/2010/main">
-                <a:solidFill>
-                  <a:srgbClr val="FFFFFF"/>
-                </a:solidFill>
-              </a14:hiddenFill>
-            </a:ext>
-            <a:ext uri="{91240B29-F687-4F45-9708-019B960494DF}">
-              <a14:hiddenLine xmlns:a14="http://schemas.microsoft.com/office/drawing/2010/main" w="9525">
-                <a:solidFill>
-                  <a:srgbClr val="000000"/>
-                </a:solidFill>
-                <a:miter lim="800000"/>
-                <a:headEnd/>
-                <a:tailEnd/>
-              </a14:hiddenLine>
-            </a:ext>
-          </a:extLst>
-        </p:spPr>
-      </p:pic>
     </p:spTree>
+    <p:extLst>
+      <p:ext uri="{BB962C8B-B14F-4D97-AF65-F5344CB8AC3E}">
+        <p14:creationId xmlns:p14="http://schemas.microsoft.com/office/powerpoint/2010/main" val="3775523513"/>
+      </p:ext>
+    </p:extLst>
   </p:cSld>
   <p:clrMapOvr>
     <a:masterClrMapping/>
   </p:clrMapOvr>
-  <p:timing>
-    <p:tnLst>
-      <p:par>
-        <p:cTn id="1" dur="indefinite" restart="never" nodeType="tmRoot"/>
-      </p:par>
-    </p:tnLst>
-  </p:timing>
 </p:sld>
 </file>
 
